--- a/AI프로젝트_김형진.pptx
+++ b/AI프로젝트_김형진.pptx
@@ -17021,7 +17021,7 @@
                 <a:latin typeface="나눔스퀘어_ac" panose="020B0600000101010101" pitchFamily="50" charset="-127"/>
                 <a:ea typeface="나눔스퀘어_ac" panose="020B0600000101010101" pitchFamily="50" charset="-127"/>
               </a:rPr>
-              <a:t>fastapi</a:t>
+              <a:t>FastAPI</a:t>
             </a:r>
             <a:endParaRPr lang="ko-KR" altLang="en-US" dirty="0">
               <a:latin typeface="나눔스퀘어_ac" panose="020B0600000101010101" pitchFamily="50" charset="-127"/>
